--- a/Semester 5/Grafika Komputer/Materi/2017-04-Polygons and Attributes.pptx
+++ b/Semester 5/Grafika Komputer/Materi/2017-04-Polygons and Attributes.pptx
@@ -271,7 +271,7 @@
             <a:fld id="{A8ADFD5B-A66C-449C-B6E8-FB716D07777D}" type="datetimeFigureOut">
               <a:rPr lang="en-US" smtClean="0"/>
               <a:pPr/>
-              <a:t>9/25/2017</a:t>
+              <a:t>9/21/2016</a:t>
             </a:fld>
             <a:endParaRPr lang="en-US"/>
           </a:p>
@@ -443,11 +443,6 @@
         </p:txBody>
       </p:sp>
     </p:spTree>
-    <p:extLst>
-      <p:ext uri="{BB962C8B-B14F-4D97-AF65-F5344CB8AC3E}">
-        <p14:creationId xmlns:p14="http://schemas.microsoft.com/office/powerpoint/2010/main" val="1592464483"/>
-      </p:ext>
-    </p:extLst>
   </p:cSld>
   <p:clrMap bg1="lt1" tx1="dk1" bg2="lt2" tx2="dk2" accent1="accent1" accent2="accent2" accent3="accent3" accent4="accent4" accent5="accent5" accent6="accent6" hlink="hlink" folHlink="folHlink"/>
   <p:notesStyle>
@@ -619,11 +614,6 @@
         </p:txBody>
       </p:sp>
     </p:spTree>
-    <p:extLst>
-      <p:ext uri="{BB962C8B-B14F-4D97-AF65-F5344CB8AC3E}">
-        <p14:creationId xmlns:p14="http://schemas.microsoft.com/office/powerpoint/2010/main" val="2346775795"/>
-      </p:ext>
-    </p:extLst>
   </p:cSld>
   <p:clrMapOvr>
     <a:masterClrMapping/>
@@ -896,7 +886,7 @@
                 </a:solidFill>
               </a:rPr>
               <a:pPr algn="ctr"/>
-              <a:t>9/25/2017</a:t>
+              <a:t>9/21/2016</a:t>
             </a:fld>
             <a:endParaRPr lang="en-US" sz="2000" dirty="0">
               <a:solidFill>
@@ -1833,7 +1823,7 @@
             <a:fld id="{EEAA0CD2-9879-44FA-A16D-6E94ADC96546}" type="datetime1">
               <a:rPr lang="en-US" smtClean="0"/>
               <a:pPr/>
-              <a:t>9/25/2017</a:t>
+              <a:t>9/21/2016</a:t>
             </a:fld>
             <a:endParaRPr lang="en-US"/>
           </a:p>
@@ -2081,7 +2071,7 @@
             <a:fld id="{A3B2EACC-756B-4D23-A72D-3F274E320161}" type="datetime1">
               <a:rPr lang="en-US" smtClean="0"/>
               <a:pPr/>
-              <a:t>9/25/2017</a:t>
+              <a:t>9/21/2016</a:t>
             </a:fld>
             <a:endParaRPr lang="en-US"/>
           </a:p>
@@ -2289,7 +2279,7 @@
             <a:fld id="{B2F95E7C-8D82-4450-AF81-C0667657CEFF}" type="datetime1">
               <a:rPr lang="en-US" smtClean="0"/>
               <a:pPr/>
-              <a:t>9/25/2017</a:t>
+              <a:t>9/21/2016</a:t>
             </a:fld>
             <a:endParaRPr lang="en-US"/>
           </a:p>
@@ -2402,7 +2392,7 @@
             <a:fld id="{41A90EC6-E824-4BE0-A245-0898B6E64986}" type="datetime1">
               <a:rPr lang="en-US" smtClean="0"/>
               <a:pPr/>
-              <a:t>9/25/2017</a:t>
+              <a:t>9/21/2016</a:t>
             </a:fld>
             <a:endParaRPr lang="en-US"/>
           </a:p>
@@ -2554,7 +2544,7 @@
             <a:fld id="{45E58542-0C20-46F9-A143-A8820ABCE2F1}" type="datetime1">
               <a:rPr lang="en-US" smtClean="0"/>
               <a:pPr/>
-              <a:t>9/25/2017</a:t>
+              <a:t>9/21/2016</a:t>
             </a:fld>
             <a:endParaRPr lang="en-US"/>
           </a:p>
@@ -3132,7 +3122,7 @@
             <a:fld id="{163D70A9-C3BF-4EC8-949B-107C4AC9A2D5}" type="datetime1">
               <a:rPr lang="en-US" smtClean="0"/>
               <a:pPr/>
-              <a:t>9/25/2017</a:t>
+              <a:t>9/21/2016</a:t>
             </a:fld>
             <a:endParaRPr lang="en-US"/>
           </a:p>
@@ -3332,7 +3322,7 @@
             <a:fld id="{A832113B-6D34-4A97-A6D7-2DD5B53A8572}" type="datetime1">
               <a:rPr lang="en-US" smtClean="0"/>
               <a:pPr/>
-              <a:t>9/25/2017</a:t>
+              <a:t>9/21/2016</a:t>
             </a:fld>
             <a:endParaRPr lang="en-US" sz="1400" dirty="0">
               <a:solidFill>
@@ -3955,6 +3945,7 @@
               <a:rPr lang="en-US" dirty="0"/>
               <a:t>Computer graphics</a:t>
             </a:r>
+            <a:endParaRPr lang="en-US" dirty="0"/>
           </a:p>
         </p:txBody>
       </p:sp>
@@ -3985,15 +3976,11 @@
             </a:r>
             <a:r>
               <a:rPr lang="id-ID" dirty="0"/>
-              <a:t>ITS </a:t>
-            </a:r>
-            <a:r>
-              <a:rPr lang="id-ID" dirty="0" smtClean="0"/>
-              <a:t>201</a:t>
+              <a:t>ITS 201</a:t>
             </a:r>
             <a:r>
               <a:rPr lang="en-US" dirty="0"/>
-              <a:t>7</a:t>
+              <a:t>6</a:t>
             </a:r>
             <a:endParaRPr lang="en-US" dirty="0"/>
           </a:p>
@@ -5114,7 +5101,11 @@
           <a:p>
             <a:r>
               <a:rPr lang="en-US" dirty="0" smtClean="0"/>
-              <a:t>Session 1</a:t>
+              <a:t>Session </a:t>
+            </a:r>
+            <a:r>
+              <a:rPr lang="en-US" dirty="0" smtClean="0"/>
+              <a:t>1</a:t>
             </a:r>
             <a:r>
               <a:rPr lang="id-ID" dirty="0" smtClean="0"/>
@@ -11385,7 +11376,11 @@
           <a:p>
             <a:r>
               <a:rPr lang="en-US" dirty="0" smtClean="0"/>
-              <a:t>Session 2</a:t>
+              <a:t>Session </a:t>
+            </a:r>
+            <a:r>
+              <a:rPr lang="en-US" dirty="0" smtClean="0"/>
+              <a:t>2</a:t>
             </a:r>
             <a:r>
               <a:rPr lang="id-ID" dirty="0" smtClean="0"/>
@@ -17729,7 +17724,11 @@
           <a:p>
             <a:r>
               <a:rPr lang="en-US" dirty="0" smtClean="0"/>
-              <a:t>For example, using a 256x256 window, and 9 points as the following coordinates:</a:t>
+              <a:t>For example, </a:t>
+            </a:r>
+            <a:r>
+              <a:rPr lang="en-US" dirty="0" smtClean="0"/>
+              <a:t>using a 256x256 window, and 9 points as the following coordinates:</a:t>
             </a:r>
             <a:endParaRPr lang="id-ID" dirty="0" smtClean="0"/>
           </a:p>
